--- a/Lectures/Virtual Reality.pptx
+++ b/Lectures/Virtual Reality.pptx
@@ -198,7 +198,7 @@
           <a:p>
             <a:fld id="{D3D2ECF1-FB08-48FC-B45D-807F443755F4}" type="datetimeFigureOut">
               <a:rPr lang="en-IE" smtClean="0"/>
-              <a:t>24/10/2013</a:t>
+              <a:t>07/11/2013</a:t>
             </a:fld>
             <a:endParaRPr lang="en-IE"/>
           </a:p>
@@ -363,7 +363,7 @@
           <a:p>
             <a:fld id="{741081DE-5AEF-4FAD-BA62-F267E0B801CD}" type="datetimeFigureOut">
               <a:rPr lang="en-IE" smtClean="0"/>
-              <a:t>24/10/2013</a:t>
+              <a:t>07/11/2013</a:t>
             </a:fld>
             <a:endParaRPr lang="en-IE"/>
           </a:p>
@@ -812,7 +812,7 @@
           <a:p>
             <a:fld id="{3A1FCA75-51D1-4143-BA71-9D0DBE509351}" type="datetimeFigureOut">
               <a:rPr lang="en-IE" smtClean="0"/>
-              <a:t>24/10/2013</a:t>
+              <a:t>07/11/2013</a:t>
             </a:fld>
             <a:endParaRPr lang="en-IE"/>
           </a:p>
@@ -982,7 +982,7 @@
           <a:p>
             <a:fld id="{3A1FCA75-51D1-4143-BA71-9D0DBE509351}" type="datetimeFigureOut">
               <a:rPr lang="en-IE" smtClean="0"/>
-              <a:t>24/10/2013</a:t>
+              <a:t>07/11/2013</a:t>
             </a:fld>
             <a:endParaRPr lang="en-IE"/>
           </a:p>
@@ -1162,7 +1162,7 @@
           <a:p>
             <a:fld id="{3A1FCA75-51D1-4143-BA71-9D0DBE509351}" type="datetimeFigureOut">
               <a:rPr lang="en-IE" smtClean="0"/>
-              <a:t>24/10/2013</a:t>
+              <a:t>07/11/2013</a:t>
             </a:fld>
             <a:endParaRPr lang="en-IE"/>
           </a:p>
@@ -1332,7 +1332,7 @@
           <a:p>
             <a:fld id="{3A1FCA75-51D1-4143-BA71-9D0DBE509351}" type="datetimeFigureOut">
               <a:rPr lang="en-IE" smtClean="0"/>
-              <a:t>24/10/2013</a:t>
+              <a:t>07/11/2013</a:t>
             </a:fld>
             <a:endParaRPr lang="en-IE"/>
           </a:p>
@@ -1619,7 +1619,7 @@
           <a:p>
             <a:fld id="{3A1FCA75-51D1-4143-BA71-9D0DBE509351}" type="datetimeFigureOut">
               <a:rPr lang="en-IE" smtClean="0"/>
-              <a:t>24/10/2013</a:t>
+              <a:t>07/11/2013</a:t>
             </a:fld>
             <a:endParaRPr lang="en-IE"/>
           </a:p>
@@ -1907,7 +1907,7 @@
           <a:p>
             <a:fld id="{3A1FCA75-51D1-4143-BA71-9D0DBE509351}" type="datetimeFigureOut">
               <a:rPr lang="en-IE" smtClean="0"/>
-              <a:t>24/10/2013</a:t>
+              <a:t>07/11/2013</a:t>
             </a:fld>
             <a:endParaRPr lang="en-IE"/>
           </a:p>
@@ -2329,7 +2329,7 @@
           <a:p>
             <a:fld id="{3A1FCA75-51D1-4143-BA71-9D0DBE509351}" type="datetimeFigureOut">
               <a:rPr lang="en-IE" smtClean="0"/>
-              <a:t>24/10/2013</a:t>
+              <a:t>07/11/2013</a:t>
             </a:fld>
             <a:endParaRPr lang="en-IE"/>
           </a:p>
@@ -2447,7 +2447,7 @@
           <a:p>
             <a:fld id="{3A1FCA75-51D1-4143-BA71-9D0DBE509351}" type="datetimeFigureOut">
               <a:rPr lang="en-IE" smtClean="0"/>
-              <a:t>24/10/2013</a:t>
+              <a:t>07/11/2013</a:t>
             </a:fld>
             <a:endParaRPr lang="en-IE"/>
           </a:p>
@@ -2542,7 +2542,7 @@
           <a:p>
             <a:fld id="{3A1FCA75-51D1-4143-BA71-9D0DBE509351}" type="datetimeFigureOut">
               <a:rPr lang="en-IE" smtClean="0"/>
-              <a:t>24/10/2013</a:t>
+              <a:t>07/11/2013</a:t>
             </a:fld>
             <a:endParaRPr lang="en-IE"/>
           </a:p>
@@ -2819,7 +2819,7 @@
           <a:p>
             <a:fld id="{3A1FCA75-51D1-4143-BA71-9D0DBE509351}" type="datetimeFigureOut">
               <a:rPr lang="en-IE" smtClean="0"/>
-              <a:t>24/10/2013</a:t>
+              <a:t>07/11/2013</a:t>
             </a:fld>
             <a:endParaRPr lang="en-IE"/>
           </a:p>
@@ -3072,7 +3072,7 @@
           <a:p>
             <a:fld id="{3A1FCA75-51D1-4143-BA71-9D0DBE509351}" type="datetimeFigureOut">
               <a:rPr lang="en-IE" smtClean="0"/>
-              <a:t>24/10/2013</a:t>
+              <a:t>07/11/2013</a:t>
             </a:fld>
             <a:endParaRPr lang="en-IE"/>
           </a:p>
@@ -3285,7 +3285,7 @@
           <a:p>
             <a:fld id="{3A1FCA75-51D1-4143-BA71-9D0DBE509351}" type="datetimeFigureOut">
               <a:rPr lang="en-IE" smtClean="0"/>
-              <a:t>24/10/2013</a:t>
+              <a:t>07/11/2013</a:t>
             </a:fld>
             <a:endParaRPr lang="en-IE"/>
           </a:p>
@@ -4022,40 +4022,57 @@
           <a:lstStyle/>
           <a:p>
             <a:r>
+              <a:rPr lang="en-IE" dirty="0" err="1" smtClean="0"/>
+              <a:t>Bacground</a:t>
+            </a:r>
+            <a:endParaRPr lang="en-IE" dirty="0" smtClean="0"/>
+          </a:p>
+          <a:p>
+            <a:r>
               <a:rPr lang="en-IE" dirty="0" smtClean="0"/>
-              <a:t>What is virtual reality?</a:t>
-            </a:r>
-          </a:p>
-          <a:p>
+              <a:t>Some examples from the history of virtual reality</a:t>
+            </a:r>
+          </a:p>
+          <a:p>
+            <a:pPr lvl="1"/>
             <a:r>
               <a:rPr lang="en-IE" dirty="0" smtClean="0"/>
-              <a:t>Potential applications of virtual reality</a:t>
-            </a:r>
-          </a:p>
-          <a:p>
+              <a:t>Virtual </a:t>
+            </a:r>
             <a:r>
               <a:rPr lang="en-IE" dirty="0" smtClean="0"/>
-              <a:t>History of virtual reality real &amp; imagined</a:t>
-            </a:r>
-          </a:p>
-          <a:p>
+              <a:t>reality real &amp; </a:t>
+            </a:r>
             <a:r>
               <a:rPr lang="en-IE" dirty="0" smtClean="0"/>
-              <a:t>Virtual reality today </a:t>
+              <a:t>imagined</a:t>
+            </a:r>
+          </a:p>
+          <a:p>
+            <a:r>
+              <a:rPr lang="en-IE" dirty="0" smtClean="0"/>
+              <a:t>Technology</a:t>
             </a:r>
           </a:p>
           <a:p>
             <a:pPr lvl="1"/>
             <a:r>
               <a:rPr lang="en-IE" dirty="0" smtClean="0"/>
-              <a:t>Lots of demos</a:t>
-            </a:r>
-          </a:p>
-          <a:p>
+              <a:t>Kinect</a:t>
+            </a:r>
+          </a:p>
+          <a:p>
+            <a:pPr lvl="1"/>
             <a:r>
               <a:rPr lang="en-IE" dirty="0" smtClean="0"/>
-              <a:t>The future</a:t>
-            </a:r>
+              <a:t>Oculus Rift</a:t>
+            </a:r>
+          </a:p>
+          <a:p>
+            <a:endParaRPr lang="en-IE" dirty="0" smtClean="0"/>
+          </a:p>
+          <a:p>
+            <a:endParaRPr lang="en-IE" dirty="0" smtClean="0"/>
           </a:p>
         </p:txBody>
       </p:sp>
@@ -4159,13 +4176,8 @@
           <a:p>
             <a:r>
               <a:rPr lang="en-IE" dirty="0" smtClean="0"/>
-              <a:t>The </a:t>
-            </a:r>
-            <a:r>
-              <a:rPr lang="en-IE" smtClean="0"/>
-              <a:t>experience is </a:t>
-            </a:r>
-            <a:endParaRPr lang="en-IE" dirty="0" smtClean="0"/>
+              <a:t>The experience is </a:t>
+            </a:r>
           </a:p>
           <a:p>
             <a:pPr lvl="1"/>
